--- a/adl.pptx
+++ b/adl.pptx
@@ -25,8 +25,8 @@
     <p:sldId id="271" r:id="rId16"/>
     <p:sldId id="272" r:id="rId17"/>
     <p:sldId id="274" r:id="rId18"/>
-    <p:sldId id="276" r:id="rId19"/>
-    <p:sldId id="275" r:id="rId20"/>
+    <p:sldId id="275" r:id="rId19"/>
+    <p:sldId id="282" r:id="rId20"/>
     <p:sldId id="277" r:id="rId21"/>
     <p:sldId id="278" r:id="rId22"/>
     <p:sldId id="279" r:id="rId23"/>
@@ -17069,7 +17069,7 @@
         <p:spPr bwMode="auto">
           <a:xfrm>
             <a:off x="238125" y="386755"/>
-            <a:ext cx="10195180" cy="646331"/>
+            <a:ext cx="9410700" cy="646331"/>
           </a:xfrm>
           <a:prstGeom prst="rect">
             <a:avLst/>
@@ -17204,7 +17204,7 @@
           <a:p>
             <a:pPr algn="ctr"/>
             <a:r>
-              <a:rPr lang="en-US" altLang="zh-CN" sz="3600" b="1" dirty="0">
+              <a:rPr lang="en-US" altLang="zh-CN" sz="3600" b="1" dirty="0" smtClean="0">
                 <a:solidFill>
                   <a:srgbClr val="C00000"/>
                 </a:solidFill>
@@ -17221,567 +17221,7 @@
                 <a:latin typeface="Times New Roman" panose="02020603050405020304" pitchFamily="18" charset="0"/>
                 <a:cs typeface="Times New Roman" panose="02020603050405020304" pitchFamily="18" charset="0"/>
               </a:rPr>
-              <a:t>4: Single-Scale Model with Multi-Inputs</a:t>
-            </a:r>
-            <a:endParaRPr lang="en-US" altLang="zh-CN" sz="3600" b="1" dirty="0">
-              <a:solidFill>
-                <a:srgbClr val="C00000"/>
-              </a:solidFill>
-              <a:latin typeface="Times New Roman" panose="02020603050405020304" pitchFamily="18" charset="0"/>
-              <a:cs typeface="Times New Roman" panose="02020603050405020304" pitchFamily="18" charset="0"/>
-            </a:endParaRPr>
-          </a:p>
-        </p:txBody>
-      </p:sp>
-      <p:sp>
-        <p:nvSpPr>
-          <p:cNvPr id="14" name="文本框 13"/>
-          <p:cNvSpPr txBox="1"/>
-          <p:nvPr/>
-        </p:nvSpPr>
-        <p:spPr>
-          <a:xfrm>
-            <a:off x="1626385" y="1162101"/>
-            <a:ext cx="5740590" cy="5878532"/>
-          </a:xfrm>
-          <a:prstGeom prst="rect">
-            <a:avLst/>
-          </a:prstGeom>
-          <a:noFill/>
-        </p:spPr>
-        <p:txBody>
-          <a:bodyPr wrap="square" rtlCol="0">
-            <a:spAutoFit/>
-          </a:bodyPr>
-          <a:lstStyle/>
-          <a:p>
-            <a:r>
-              <a:rPr lang="en-US" altLang="zh-CN" sz="4400" dirty="0" smtClean="0">
-                <a:latin typeface="Cambria" panose="02040503050406030204" pitchFamily="18" charset="0"/>
-                <a:ea typeface="Cambria" panose="02040503050406030204" pitchFamily="18" charset="0"/>
-              </a:rPr>
-              <a:t>InceptionV3</a:t>
-            </a:r>
-          </a:p>
-          <a:p>
-            <a:r>
-              <a:rPr lang="en-US" altLang="zh-CN" sz="4400" dirty="0" smtClean="0">
-                <a:latin typeface="Cambria" panose="02040503050406030204" pitchFamily="18" charset="0"/>
-                <a:ea typeface="Cambria" panose="02040503050406030204" pitchFamily="18" charset="0"/>
-              </a:rPr>
-              <a:t>+ Flatten Layer</a:t>
-            </a:r>
-          </a:p>
-          <a:p>
-            <a:r>
-              <a:rPr lang="en-US" altLang="zh-CN" sz="4400" dirty="0" smtClean="0">
-                <a:latin typeface="Cambria" panose="02040503050406030204" pitchFamily="18" charset="0"/>
-                <a:ea typeface="Cambria" panose="02040503050406030204" pitchFamily="18" charset="0"/>
-              </a:rPr>
-              <a:t>+ Dropout(0.3) </a:t>
-            </a:r>
-          </a:p>
-          <a:p>
-            <a:r>
-              <a:rPr lang="en-US" altLang="zh-CN" sz="4400" dirty="0" smtClean="0">
-                <a:latin typeface="Cambria" panose="02040503050406030204" pitchFamily="18" charset="0"/>
-                <a:ea typeface="Cambria" panose="02040503050406030204" pitchFamily="18" charset="0"/>
-              </a:rPr>
-              <a:t>+ Dense(1</a:t>
-            </a:r>
-            <a:r>
-              <a:rPr lang="en-US" altLang="zh-CN" sz="4400" dirty="0" smtClean="0">
-                <a:latin typeface="Cambria" panose="02040503050406030204" pitchFamily="18" charset="0"/>
-                <a:ea typeface="Cambria" panose="02040503050406030204" pitchFamily="18" charset="0"/>
-              </a:rPr>
-              <a:t>)</a:t>
-            </a:r>
-          </a:p>
-          <a:p>
-            <a:endParaRPr lang="en-US" altLang="zh-CN" sz="4400" dirty="0">
-              <a:latin typeface="Cambria" panose="02040503050406030204" pitchFamily="18" charset="0"/>
-              <a:ea typeface="Cambria" panose="02040503050406030204" pitchFamily="18" charset="0"/>
-            </a:endParaRPr>
-          </a:p>
-          <a:p>
-            <a:r>
-              <a:rPr lang="en-US" altLang="zh-CN" sz="4400" dirty="0" smtClean="0">
-                <a:latin typeface="Cambria" panose="02040503050406030204" pitchFamily="18" charset="0"/>
-                <a:ea typeface="Cambria" panose="02040503050406030204" pitchFamily="18" charset="0"/>
-              </a:rPr>
-              <a:t>Inputs: 2000 patches from 4 different images</a:t>
-            </a:r>
-            <a:endParaRPr lang="en-US" altLang="zh-CN" sz="4400" dirty="0" smtClean="0">
-              <a:latin typeface="Cambria" panose="02040503050406030204" pitchFamily="18" charset="0"/>
-              <a:ea typeface="Cambria" panose="02040503050406030204" pitchFamily="18" charset="0"/>
-            </a:endParaRPr>
-          </a:p>
-          <a:p>
-            <a:endParaRPr lang="zh-CN" altLang="en-US" sz="2400" dirty="0"/>
-          </a:p>
-        </p:txBody>
-      </p:sp>
-      <p:sp>
-        <p:nvSpPr>
-          <p:cNvPr id="15" name="文本框 14"/>
-          <p:cNvSpPr txBox="1"/>
-          <p:nvPr/>
-        </p:nvSpPr>
-        <p:spPr>
-          <a:xfrm>
-            <a:off x="7366975" y="1546376"/>
-            <a:ext cx="3946144" cy="4031873"/>
-          </a:xfrm>
-          <a:prstGeom prst="rect">
-            <a:avLst/>
-          </a:prstGeom>
-          <a:noFill/>
-        </p:spPr>
-        <p:txBody>
-          <a:bodyPr wrap="none" rtlCol="0">
-            <a:spAutoFit/>
-          </a:bodyPr>
-          <a:lstStyle/>
-          <a:p>
-            <a:pPr algn="ctr"/>
-            <a:r>
-              <a:rPr lang="en-US" altLang="zh-CN" sz="3200" dirty="0" smtClean="0">
-                <a:latin typeface="+mj-lt"/>
-              </a:rPr>
-              <a:t>Zoom </a:t>
-            </a:r>
-            <a:r>
-              <a:rPr lang="en-US" altLang="zh-CN" sz="3200" dirty="0">
-                <a:latin typeface="+mj-lt"/>
-              </a:rPr>
-              <a:t>Level: </a:t>
-            </a:r>
-            <a:r>
-              <a:rPr lang="en-US" altLang="zh-CN" sz="3200" dirty="0" smtClean="0">
-                <a:latin typeface="+mj-lt"/>
-              </a:rPr>
-              <a:t>3</a:t>
-            </a:r>
-            <a:endParaRPr lang="en-US" altLang="zh-CN" sz="3200" dirty="0">
-              <a:latin typeface="+mj-lt"/>
-            </a:endParaRPr>
-          </a:p>
-          <a:p>
-            <a:pPr algn="ctr"/>
-            <a:r>
-              <a:rPr lang="en-US" altLang="zh-CN" sz="3200" dirty="0" smtClean="0">
-                <a:latin typeface="+mj-lt"/>
-              </a:rPr>
-              <a:t>Window Size: </a:t>
-            </a:r>
-            <a:r>
-              <a:rPr lang="en-US" altLang="zh-CN" sz="3200" dirty="0" smtClean="0">
-                <a:latin typeface="+mj-lt"/>
-              </a:rPr>
-              <a:t>100*100</a:t>
-            </a:r>
-            <a:endParaRPr lang="en-US" altLang="zh-CN" sz="3200" dirty="0" smtClean="0">
-              <a:latin typeface="+mj-lt"/>
-            </a:endParaRPr>
-          </a:p>
-          <a:p>
-            <a:pPr algn="ctr"/>
-            <a:r>
-              <a:rPr lang="en-US" altLang="zh-CN" sz="3200" dirty="0" smtClean="0">
-                <a:latin typeface="+mj-lt"/>
-              </a:rPr>
-              <a:t>Center Size: </a:t>
-            </a:r>
-            <a:r>
-              <a:rPr lang="en-US" altLang="zh-CN" sz="3200" dirty="0" smtClean="0">
-                <a:latin typeface="+mj-lt"/>
-              </a:rPr>
-              <a:t>80</a:t>
-            </a:r>
-            <a:r>
-              <a:rPr lang="en-US" altLang="zh-CN" sz="3200" dirty="0" smtClean="0">
-                <a:latin typeface="+mj-lt"/>
-              </a:rPr>
-              <a:t>*80</a:t>
-            </a:r>
-            <a:endParaRPr lang="en-US" altLang="zh-CN" sz="3200" dirty="0" smtClean="0">
-              <a:latin typeface="+mj-lt"/>
-            </a:endParaRPr>
-          </a:p>
-          <a:p>
-            <a:pPr algn="ctr"/>
-            <a:r>
-              <a:rPr lang="en-US" altLang="zh-CN" sz="3200" dirty="0" smtClean="0">
-                <a:latin typeface="+mj-lt"/>
-              </a:rPr>
-              <a:t>Stride: </a:t>
-            </a:r>
-            <a:r>
-              <a:rPr lang="en-US" altLang="zh-CN" sz="3200" dirty="0" smtClean="0">
-                <a:latin typeface="+mj-lt"/>
-              </a:rPr>
-              <a:t>80</a:t>
-            </a:r>
-            <a:endParaRPr lang="en-US" altLang="zh-CN" sz="3200" dirty="0" smtClean="0">
-              <a:latin typeface="+mj-lt"/>
-            </a:endParaRPr>
-          </a:p>
-          <a:p>
-            <a:pPr algn="ctr"/>
-            <a:endParaRPr lang="en-US" altLang="zh-CN" sz="3200" b="1" dirty="0" smtClean="0">
-              <a:latin typeface="+mj-lt"/>
-            </a:endParaRPr>
-          </a:p>
-          <a:p>
-            <a:pPr algn="ctr"/>
-            <a:r>
-              <a:rPr lang="en-US" altLang="zh-CN" sz="3200" dirty="0" smtClean="0">
-                <a:latin typeface="+mj-lt"/>
-              </a:rPr>
-              <a:t>Epochs: 5 </a:t>
-            </a:r>
-          </a:p>
-          <a:p>
-            <a:pPr algn="ctr"/>
-            <a:r>
-              <a:rPr lang="en-US" altLang="zh-CN" sz="3200" dirty="0" smtClean="0">
-                <a:latin typeface="+mj-lt"/>
-              </a:rPr>
-              <a:t>Batch </a:t>
-            </a:r>
-            <a:r>
-              <a:rPr lang="en-US" altLang="zh-CN" sz="3200" dirty="0" smtClean="0">
-                <a:latin typeface="+mj-lt"/>
-              </a:rPr>
-              <a:t>Size:32</a:t>
-            </a:r>
-            <a:endParaRPr lang="en-US" altLang="zh-CN" sz="3200" dirty="0" smtClean="0">
-              <a:latin typeface="+mj-lt"/>
-            </a:endParaRPr>
-          </a:p>
-          <a:p>
-            <a:pPr algn="ctr"/>
-            <a:r>
-              <a:rPr lang="en-US" altLang="zh-CN" sz="3200" dirty="0" smtClean="0">
-                <a:latin typeface="+mj-lt"/>
-              </a:rPr>
-              <a:t>Optimizer: </a:t>
-            </a:r>
-            <a:r>
-              <a:rPr lang="en-US" altLang="zh-CN" sz="3200" dirty="0" err="1" smtClean="0">
-                <a:latin typeface="+mj-lt"/>
-              </a:rPr>
-              <a:t>RMSProp</a:t>
-            </a:r>
-            <a:endParaRPr lang="zh-CN" altLang="en-US" sz="3200" dirty="0">
-              <a:latin typeface="+mj-lt"/>
-            </a:endParaRPr>
-          </a:p>
-        </p:txBody>
-      </p:sp>
-    </p:spTree>
-    <p:extLst>
-      <p:ext uri="{BB962C8B-B14F-4D97-AF65-F5344CB8AC3E}">
-        <p14:creationId xmlns:p14="http://schemas.microsoft.com/office/powerpoint/2010/main" val="2251001296"/>
-      </p:ext>
-    </p:extLst>
-  </p:cSld>
-  <p:clrMapOvr>
-    <a:masterClrMapping/>
-  </p:clrMapOvr>
-  <p:timing>
-    <p:tnLst>
-      <p:par>
-        <p:cTn id="1" dur="indefinite" restart="never" nodeType="tmRoot">
-          <p:childTnLst>
-            <p:seq concurrent="1" nextAc="seek">
-              <p:cTn id="2" dur="indefinite" nodeType="mainSeq">
-                <p:childTnLst>
-                  <p:par>
-                    <p:cTn id="3" fill="hold">
-                      <p:stCondLst>
-                        <p:cond delay="indefinite"/>
-                        <p:cond evt="onBegin" delay="0">
-                          <p:tn val="2"/>
-                        </p:cond>
-                      </p:stCondLst>
-                      <p:childTnLst>
-                        <p:par>
-                          <p:cTn id="4" fill="hold">
-                            <p:stCondLst>
-                              <p:cond delay="0"/>
-                            </p:stCondLst>
-                            <p:childTnLst>
-                              <p:par>
-                                <p:cTn id="5" presetID="1" presetClass="entr" presetSubtype="0" fill="hold" grpId="0" nodeType="withEffect">
-                                  <p:stCondLst>
-                                    <p:cond delay="0"/>
-                                  </p:stCondLst>
-                                  <p:childTnLst>
-                                    <p:set>
-                                      <p:cBhvr>
-                                        <p:cTn id="6" dur="1" fill="hold">
-                                          <p:stCondLst>
-                                            <p:cond delay="0"/>
-                                          </p:stCondLst>
-                                        </p:cTn>
-                                        <p:tgtEl>
-                                          <p:spTgt spid="15"/>
-                                        </p:tgtEl>
-                                        <p:attrNameLst>
-                                          <p:attrName>style.visibility</p:attrName>
-                                        </p:attrNameLst>
-                                      </p:cBhvr>
-                                      <p:to>
-                                        <p:strVal val="visible"/>
-                                      </p:to>
-                                    </p:set>
-                                  </p:childTnLst>
-                                </p:cTn>
-                              </p:par>
-                              <p:par>
-                                <p:cTn id="7" presetID="1" presetClass="entr" presetSubtype="0" fill="hold" grpId="1" nodeType="withEffect">
-                                  <p:stCondLst>
-                                    <p:cond delay="0"/>
-                                  </p:stCondLst>
-                                  <p:childTnLst>
-                                    <p:set>
-                                      <p:cBhvr>
-                                        <p:cTn id="8" dur="1" fill="hold">
-                                          <p:stCondLst>
-                                            <p:cond delay="0"/>
-                                          </p:stCondLst>
-                                        </p:cTn>
-                                        <p:tgtEl>
-                                          <p:spTgt spid="15"/>
-                                        </p:tgtEl>
-                                        <p:attrNameLst>
-                                          <p:attrName>style.visibility</p:attrName>
-                                        </p:attrNameLst>
-                                      </p:cBhvr>
-                                      <p:to>
-                                        <p:strVal val="visible"/>
-                                      </p:to>
-                                    </p:set>
-                                  </p:childTnLst>
-                                </p:cTn>
-                              </p:par>
-                            </p:childTnLst>
-                          </p:cTn>
-                        </p:par>
-                      </p:childTnLst>
-                    </p:cTn>
-                  </p:par>
-                </p:childTnLst>
-              </p:cTn>
-              <p:prevCondLst>
-                <p:cond evt="onPrev" delay="0">
-                  <p:tgtEl>
-                    <p:sldTgt/>
-                  </p:tgtEl>
-                </p:cond>
-              </p:prevCondLst>
-              <p:nextCondLst>
-                <p:cond evt="onNext" delay="0">
-                  <p:tgtEl>
-                    <p:sldTgt/>
-                  </p:tgtEl>
-                </p:cond>
-              </p:nextCondLst>
-            </p:seq>
-          </p:childTnLst>
-        </p:cTn>
-      </p:par>
-    </p:tnLst>
-    <p:bldLst>
-      <p:bldP spid="15" grpId="0"/>
-      <p:bldP spid="15" grpId="1"/>
-    </p:bldLst>
-  </p:timing>
-</p:sld>
-</file>
-
-<file path=ppt/slides/slide19.xml><?xml version="1.0" encoding="utf-8"?>
-<p:sld xmlns:a="http://schemas.openxmlformats.org/drawingml/2006/main" xmlns:r="http://schemas.openxmlformats.org/officeDocument/2006/relationships" xmlns:p="http://schemas.openxmlformats.org/presentationml/2006/main">
-  <p:cSld>
-    <p:spTree>
-      <p:nvGrpSpPr>
-        <p:cNvPr id="1" name=""/>
-        <p:cNvGrpSpPr/>
-        <p:nvPr/>
-      </p:nvGrpSpPr>
-      <p:grpSpPr>
-        <a:xfrm>
-          <a:off x="0" y="0"/>
-          <a:ext cx="0" cy="0"/>
-          <a:chOff x="0" y="0"/>
-          <a:chExt cx="0" cy="0"/>
-        </a:xfrm>
-      </p:grpSpPr>
-      <p:sp useBgFill="1">
-        <p:nvSpPr>
-          <p:cNvPr id="4" name="文本框 15"/>
-          <p:cNvSpPr txBox="1">
-            <a:spLocks noChangeArrowheads="1"/>
-          </p:cNvSpPr>
-          <p:nvPr/>
-        </p:nvSpPr>
-        <p:spPr bwMode="auto">
-          <a:xfrm>
-            <a:off x="238125" y="386755"/>
-            <a:ext cx="9410700" cy="646331"/>
-          </a:xfrm>
-          <a:prstGeom prst="rect">
-            <a:avLst/>
-          </a:prstGeom>
-          <a:ln>
-            <a:noFill/>
-          </a:ln>
-          <a:extLst>
-            <a:ext uri="{91240B29-F687-4F45-9708-019B960494DF}">
-              <a14:hiddenLine xmlns:a14="http://schemas.microsoft.com/office/drawing/2010/main" w="9525">
-                <a:solidFill>
-                  <a:srgbClr val="000000"/>
-                </a:solidFill>
-                <a:miter lim="800000"/>
-                <a:headEnd/>
-                <a:tailEnd/>
-              </a14:hiddenLine>
-            </a:ext>
-          </a:extLst>
-        </p:spPr>
-        <p:txBody>
-          <a:bodyPr wrap="square">
-            <a:spAutoFit/>
-          </a:bodyPr>
-          <a:lstStyle>
-            <a:lvl1pPr>
-              <a:defRPr>
-                <a:solidFill>
-                  <a:schemeClr val="tx1"/>
-                </a:solidFill>
-                <a:latin typeface="Calibri" panose="020F0502020204030204" pitchFamily="34" charset="0"/>
-                <a:ea typeface="宋体" panose="02010600030101010101" pitchFamily="2" charset="-122"/>
-              </a:defRPr>
-            </a:lvl1pPr>
-            <a:lvl2pPr>
-              <a:defRPr>
-                <a:solidFill>
-                  <a:schemeClr val="tx1"/>
-                </a:solidFill>
-                <a:latin typeface="Calibri" panose="020F0502020204030204" pitchFamily="34" charset="0"/>
-                <a:ea typeface="宋体" panose="02010600030101010101" pitchFamily="2" charset="-122"/>
-              </a:defRPr>
-            </a:lvl2pPr>
-            <a:lvl3pPr>
-              <a:defRPr>
-                <a:solidFill>
-                  <a:schemeClr val="tx1"/>
-                </a:solidFill>
-                <a:latin typeface="Calibri" panose="020F0502020204030204" pitchFamily="34" charset="0"/>
-                <a:ea typeface="宋体" panose="02010600030101010101" pitchFamily="2" charset="-122"/>
-              </a:defRPr>
-            </a:lvl3pPr>
-            <a:lvl4pPr>
-              <a:defRPr>
-                <a:solidFill>
-                  <a:schemeClr val="tx1"/>
-                </a:solidFill>
-                <a:latin typeface="Calibri" panose="020F0502020204030204" pitchFamily="34" charset="0"/>
-                <a:ea typeface="宋体" panose="02010600030101010101" pitchFamily="2" charset="-122"/>
-              </a:defRPr>
-            </a:lvl4pPr>
-            <a:lvl5pPr>
-              <a:defRPr>
-                <a:solidFill>
-                  <a:schemeClr val="tx1"/>
-                </a:solidFill>
-                <a:latin typeface="Calibri" panose="020F0502020204030204" pitchFamily="34" charset="0"/>
-                <a:ea typeface="宋体" panose="02010600030101010101" pitchFamily="2" charset="-122"/>
-              </a:defRPr>
-            </a:lvl5pPr>
-            <a:lvl6pPr fontAlgn="base">
-              <a:spcBef>
-                <a:spcPct val="0"/>
-              </a:spcBef>
-              <a:spcAft>
-                <a:spcPct val="0"/>
-              </a:spcAft>
-              <a:defRPr>
-                <a:solidFill>
-                  <a:schemeClr val="tx1"/>
-                </a:solidFill>
-                <a:latin typeface="Calibri" panose="020F0502020204030204" pitchFamily="34" charset="0"/>
-                <a:ea typeface="宋体" panose="02010600030101010101" pitchFamily="2" charset="-122"/>
-              </a:defRPr>
-            </a:lvl6pPr>
-            <a:lvl7pPr fontAlgn="base">
-              <a:spcBef>
-                <a:spcPct val="0"/>
-              </a:spcBef>
-              <a:spcAft>
-                <a:spcPct val="0"/>
-              </a:spcAft>
-              <a:defRPr>
-                <a:solidFill>
-                  <a:schemeClr val="tx1"/>
-                </a:solidFill>
-                <a:latin typeface="Calibri" panose="020F0502020204030204" pitchFamily="34" charset="0"/>
-                <a:ea typeface="宋体" panose="02010600030101010101" pitchFamily="2" charset="-122"/>
-              </a:defRPr>
-            </a:lvl7pPr>
-            <a:lvl8pPr fontAlgn="base">
-              <a:spcBef>
-                <a:spcPct val="0"/>
-              </a:spcBef>
-              <a:spcAft>
-                <a:spcPct val="0"/>
-              </a:spcAft>
-              <a:defRPr>
-                <a:solidFill>
-                  <a:schemeClr val="tx1"/>
-                </a:solidFill>
-                <a:latin typeface="Calibri" panose="020F0502020204030204" pitchFamily="34" charset="0"/>
-                <a:ea typeface="宋体" panose="02010600030101010101" pitchFamily="2" charset="-122"/>
-              </a:defRPr>
-            </a:lvl8pPr>
-            <a:lvl9pPr fontAlgn="base">
-              <a:spcBef>
-                <a:spcPct val="0"/>
-              </a:spcBef>
-              <a:spcAft>
-                <a:spcPct val="0"/>
-              </a:spcAft>
-              <a:defRPr>
-                <a:solidFill>
-                  <a:schemeClr val="tx1"/>
-                </a:solidFill>
-                <a:latin typeface="Calibri" panose="020F0502020204030204" pitchFamily="34" charset="0"/>
-                <a:ea typeface="宋体" panose="02010600030101010101" pitchFamily="2" charset="-122"/>
-              </a:defRPr>
-            </a:lvl9pPr>
-          </a:lstStyle>
-          <a:p>
-            <a:pPr algn="ctr"/>
-            <a:r>
-              <a:rPr lang="en-US" altLang="zh-CN" sz="3600" b="1" dirty="0" smtClean="0">
-                <a:solidFill>
-                  <a:srgbClr val="C00000"/>
-                </a:solidFill>
-                <a:latin typeface="Times New Roman" panose="02020603050405020304" pitchFamily="18" charset="0"/>
-                <a:cs typeface="Times New Roman" panose="02020603050405020304" pitchFamily="18" charset="0"/>
-              </a:rPr>
-              <a:t>Model </a:t>
-            </a:r>
-            <a:r>
-              <a:rPr lang="en-US" altLang="zh-CN" sz="3600" b="1" dirty="0" smtClean="0">
-                <a:solidFill>
-                  <a:srgbClr val="C00000"/>
-                </a:solidFill>
-                <a:latin typeface="Times New Roman" panose="02020603050405020304" pitchFamily="18" charset="0"/>
-                <a:cs typeface="Times New Roman" panose="02020603050405020304" pitchFamily="18" charset="0"/>
-              </a:rPr>
-              <a:t>5: </a:t>
+              <a:t>4: </a:t>
             </a:r>
             <a:r>
               <a:rPr lang="en-US" altLang="zh-CN" sz="3600" b="1" dirty="0" smtClean="0">
@@ -18804,6 +18244,724 @@
 </p:sld>
 </file>
 
+<file path=ppt/slides/slide19.xml><?xml version="1.0" encoding="utf-8"?>
+<p:sld xmlns:a="http://schemas.openxmlformats.org/drawingml/2006/main" xmlns:r="http://schemas.openxmlformats.org/officeDocument/2006/relationships" xmlns:p="http://schemas.openxmlformats.org/presentationml/2006/main">
+  <p:cSld>
+    <p:spTree>
+      <p:nvGrpSpPr>
+        <p:cNvPr id="1" name=""/>
+        <p:cNvGrpSpPr/>
+        <p:nvPr/>
+      </p:nvGrpSpPr>
+      <p:grpSpPr>
+        <a:xfrm>
+          <a:off x="0" y="0"/>
+          <a:ext cx="0" cy="0"/>
+          <a:chOff x="0" y="0"/>
+          <a:chExt cx="0" cy="0"/>
+        </a:xfrm>
+      </p:grpSpPr>
+      <p:sp useBgFill="1">
+        <p:nvSpPr>
+          <p:cNvPr id="4" name="文本框 15"/>
+          <p:cNvSpPr txBox="1">
+            <a:spLocks noChangeArrowheads="1"/>
+          </p:cNvSpPr>
+          <p:nvPr/>
+        </p:nvSpPr>
+        <p:spPr bwMode="auto">
+          <a:xfrm>
+            <a:off x="238125" y="386755"/>
+            <a:ext cx="10195180" cy="646331"/>
+          </a:xfrm>
+          <a:prstGeom prst="rect">
+            <a:avLst/>
+          </a:prstGeom>
+          <a:ln>
+            <a:noFill/>
+          </a:ln>
+          <a:extLst>
+            <a:ext uri="{91240B29-F687-4F45-9708-019B960494DF}">
+              <a14:hiddenLine xmlns:a14="http://schemas.microsoft.com/office/drawing/2010/main" w="9525">
+                <a:solidFill>
+                  <a:srgbClr val="000000"/>
+                </a:solidFill>
+                <a:miter lim="800000"/>
+                <a:headEnd/>
+                <a:tailEnd/>
+              </a14:hiddenLine>
+            </a:ext>
+          </a:extLst>
+        </p:spPr>
+        <p:txBody>
+          <a:bodyPr wrap="square">
+            <a:spAutoFit/>
+          </a:bodyPr>
+          <a:lstStyle>
+            <a:lvl1pPr>
+              <a:defRPr>
+                <a:solidFill>
+                  <a:schemeClr val="tx1"/>
+                </a:solidFill>
+                <a:latin typeface="Calibri" panose="020F0502020204030204" pitchFamily="34" charset="0"/>
+                <a:ea typeface="宋体" panose="02010600030101010101" pitchFamily="2" charset="-122"/>
+              </a:defRPr>
+            </a:lvl1pPr>
+            <a:lvl2pPr>
+              <a:defRPr>
+                <a:solidFill>
+                  <a:schemeClr val="tx1"/>
+                </a:solidFill>
+                <a:latin typeface="Calibri" panose="020F0502020204030204" pitchFamily="34" charset="0"/>
+                <a:ea typeface="宋体" panose="02010600030101010101" pitchFamily="2" charset="-122"/>
+              </a:defRPr>
+            </a:lvl2pPr>
+            <a:lvl3pPr>
+              <a:defRPr>
+                <a:solidFill>
+                  <a:schemeClr val="tx1"/>
+                </a:solidFill>
+                <a:latin typeface="Calibri" panose="020F0502020204030204" pitchFamily="34" charset="0"/>
+                <a:ea typeface="宋体" panose="02010600030101010101" pitchFamily="2" charset="-122"/>
+              </a:defRPr>
+            </a:lvl3pPr>
+            <a:lvl4pPr>
+              <a:defRPr>
+                <a:solidFill>
+                  <a:schemeClr val="tx1"/>
+                </a:solidFill>
+                <a:latin typeface="Calibri" panose="020F0502020204030204" pitchFamily="34" charset="0"/>
+                <a:ea typeface="宋体" panose="02010600030101010101" pitchFamily="2" charset="-122"/>
+              </a:defRPr>
+            </a:lvl4pPr>
+            <a:lvl5pPr>
+              <a:defRPr>
+                <a:solidFill>
+                  <a:schemeClr val="tx1"/>
+                </a:solidFill>
+                <a:latin typeface="Calibri" panose="020F0502020204030204" pitchFamily="34" charset="0"/>
+                <a:ea typeface="宋体" panose="02010600030101010101" pitchFamily="2" charset="-122"/>
+              </a:defRPr>
+            </a:lvl5pPr>
+            <a:lvl6pPr fontAlgn="base">
+              <a:spcBef>
+                <a:spcPct val="0"/>
+              </a:spcBef>
+              <a:spcAft>
+                <a:spcPct val="0"/>
+              </a:spcAft>
+              <a:defRPr>
+                <a:solidFill>
+                  <a:schemeClr val="tx1"/>
+                </a:solidFill>
+                <a:latin typeface="Calibri" panose="020F0502020204030204" pitchFamily="34" charset="0"/>
+                <a:ea typeface="宋体" panose="02010600030101010101" pitchFamily="2" charset="-122"/>
+              </a:defRPr>
+            </a:lvl6pPr>
+            <a:lvl7pPr fontAlgn="base">
+              <a:spcBef>
+                <a:spcPct val="0"/>
+              </a:spcBef>
+              <a:spcAft>
+                <a:spcPct val="0"/>
+              </a:spcAft>
+              <a:defRPr>
+                <a:solidFill>
+                  <a:schemeClr val="tx1"/>
+                </a:solidFill>
+                <a:latin typeface="Calibri" panose="020F0502020204030204" pitchFamily="34" charset="0"/>
+                <a:ea typeface="宋体" panose="02010600030101010101" pitchFamily="2" charset="-122"/>
+              </a:defRPr>
+            </a:lvl7pPr>
+            <a:lvl8pPr fontAlgn="base">
+              <a:spcBef>
+                <a:spcPct val="0"/>
+              </a:spcBef>
+              <a:spcAft>
+                <a:spcPct val="0"/>
+              </a:spcAft>
+              <a:defRPr>
+                <a:solidFill>
+                  <a:schemeClr val="tx1"/>
+                </a:solidFill>
+                <a:latin typeface="Calibri" panose="020F0502020204030204" pitchFamily="34" charset="0"/>
+                <a:ea typeface="宋体" panose="02010600030101010101" pitchFamily="2" charset="-122"/>
+              </a:defRPr>
+            </a:lvl8pPr>
+            <a:lvl9pPr fontAlgn="base">
+              <a:spcBef>
+                <a:spcPct val="0"/>
+              </a:spcBef>
+              <a:spcAft>
+                <a:spcPct val="0"/>
+              </a:spcAft>
+              <a:defRPr>
+                <a:solidFill>
+                  <a:schemeClr val="tx1"/>
+                </a:solidFill>
+                <a:latin typeface="Calibri" panose="020F0502020204030204" pitchFamily="34" charset="0"/>
+                <a:ea typeface="宋体" panose="02010600030101010101" pitchFamily="2" charset="-122"/>
+              </a:defRPr>
+            </a:lvl9pPr>
+          </a:lstStyle>
+          <a:p>
+            <a:pPr algn="ctr"/>
+            <a:r>
+              <a:rPr lang="en-US" altLang="zh-CN" sz="3600" b="1" dirty="0">
+                <a:solidFill>
+                  <a:srgbClr val="C00000"/>
+                </a:solidFill>
+                <a:latin typeface="Times New Roman" panose="02020603050405020304" pitchFamily="18" charset="0"/>
+                <a:cs typeface="Times New Roman" panose="02020603050405020304" pitchFamily="18" charset="0"/>
+              </a:rPr>
+              <a:t>Model </a:t>
+            </a:r>
+            <a:r>
+              <a:rPr lang="en-US" altLang="zh-CN" sz="3600" b="1" dirty="0" smtClean="0">
+                <a:solidFill>
+                  <a:srgbClr val="C00000"/>
+                </a:solidFill>
+                <a:latin typeface="Times New Roman" panose="02020603050405020304" pitchFamily="18" charset="0"/>
+                <a:cs typeface="Times New Roman" panose="02020603050405020304" pitchFamily="18" charset="0"/>
+              </a:rPr>
+              <a:t>5: Single-Scale Model with Multi-Inputs</a:t>
+            </a:r>
+            <a:endParaRPr lang="en-US" altLang="zh-CN" sz="3600" b="1" dirty="0">
+              <a:solidFill>
+                <a:srgbClr val="C00000"/>
+              </a:solidFill>
+              <a:latin typeface="Times New Roman" panose="02020603050405020304" pitchFamily="18" charset="0"/>
+              <a:cs typeface="Times New Roman" panose="02020603050405020304" pitchFamily="18" charset="0"/>
+            </a:endParaRPr>
+          </a:p>
+        </p:txBody>
+      </p:sp>
+      <p:sp>
+        <p:nvSpPr>
+          <p:cNvPr id="14" name="文本框 13"/>
+          <p:cNvSpPr txBox="1"/>
+          <p:nvPr/>
+        </p:nvSpPr>
+        <p:spPr>
+          <a:xfrm>
+            <a:off x="1626385" y="1162101"/>
+            <a:ext cx="5740590" cy="5878532"/>
+          </a:xfrm>
+          <a:prstGeom prst="rect">
+            <a:avLst/>
+          </a:prstGeom>
+          <a:noFill/>
+        </p:spPr>
+        <p:txBody>
+          <a:bodyPr wrap="square" rtlCol="0">
+            <a:spAutoFit/>
+          </a:bodyPr>
+          <a:lstStyle/>
+          <a:p>
+            <a:r>
+              <a:rPr lang="en-US" altLang="zh-CN" sz="4400" dirty="0" smtClean="0">
+                <a:latin typeface="Cambria" panose="02040503050406030204" pitchFamily="18" charset="0"/>
+                <a:ea typeface="Cambria" panose="02040503050406030204" pitchFamily="18" charset="0"/>
+              </a:rPr>
+              <a:t>InceptionV3</a:t>
+            </a:r>
+          </a:p>
+          <a:p>
+            <a:r>
+              <a:rPr lang="en-US" altLang="zh-CN" sz="4400" dirty="0" smtClean="0">
+                <a:latin typeface="Cambria" panose="02040503050406030204" pitchFamily="18" charset="0"/>
+                <a:ea typeface="Cambria" panose="02040503050406030204" pitchFamily="18" charset="0"/>
+              </a:rPr>
+              <a:t>+ Flatten Layer</a:t>
+            </a:r>
+          </a:p>
+          <a:p>
+            <a:r>
+              <a:rPr lang="en-US" altLang="zh-CN" sz="4400" dirty="0" smtClean="0">
+                <a:latin typeface="Cambria" panose="02040503050406030204" pitchFamily="18" charset="0"/>
+                <a:ea typeface="Cambria" panose="02040503050406030204" pitchFamily="18" charset="0"/>
+              </a:rPr>
+              <a:t>+ Dropout(0.3) </a:t>
+            </a:r>
+          </a:p>
+          <a:p>
+            <a:r>
+              <a:rPr lang="en-US" altLang="zh-CN" sz="4400" dirty="0" smtClean="0">
+                <a:latin typeface="Cambria" panose="02040503050406030204" pitchFamily="18" charset="0"/>
+                <a:ea typeface="Cambria" panose="02040503050406030204" pitchFamily="18" charset="0"/>
+              </a:rPr>
+              <a:t>+ Dense(1</a:t>
+            </a:r>
+            <a:r>
+              <a:rPr lang="en-US" altLang="zh-CN" sz="4400" dirty="0" smtClean="0">
+                <a:latin typeface="Cambria" panose="02040503050406030204" pitchFamily="18" charset="0"/>
+                <a:ea typeface="Cambria" panose="02040503050406030204" pitchFamily="18" charset="0"/>
+              </a:rPr>
+              <a:t>)</a:t>
+            </a:r>
+          </a:p>
+          <a:p>
+            <a:endParaRPr lang="en-US" altLang="zh-CN" sz="4400" dirty="0">
+              <a:latin typeface="Cambria" panose="02040503050406030204" pitchFamily="18" charset="0"/>
+              <a:ea typeface="Cambria" panose="02040503050406030204" pitchFamily="18" charset="0"/>
+            </a:endParaRPr>
+          </a:p>
+          <a:p>
+            <a:r>
+              <a:rPr lang="en-US" altLang="zh-CN" sz="4400" dirty="0" smtClean="0">
+                <a:latin typeface="Cambria" panose="02040503050406030204" pitchFamily="18" charset="0"/>
+                <a:ea typeface="Cambria" panose="02040503050406030204" pitchFamily="18" charset="0"/>
+              </a:rPr>
+              <a:t>Inputs: 2000 patches from 4 different images</a:t>
+            </a:r>
+            <a:endParaRPr lang="en-US" altLang="zh-CN" sz="4400" dirty="0" smtClean="0">
+              <a:latin typeface="Cambria" panose="02040503050406030204" pitchFamily="18" charset="0"/>
+              <a:ea typeface="Cambria" panose="02040503050406030204" pitchFamily="18" charset="0"/>
+            </a:endParaRPr>
+          </a:p>
+          <a:p>
+            <a:endParaRPr lang="zh-CN" altLang="en-US" sz="2400" dirty="0"/>
+          </a:p>
+        </p:txBody>
+      </p:sp>
+      <p:sp>
+        <p:nvSpPr>
+          <p:cNvPr id="15" name="文本框 14"/>
+          <p:cNvSpPr txBox="1"/>
+          <p:nvPr/>
+        </p:nvSpPr>
+        <p:spPr>
+          <a:xfrm>
+            <a:off x="7366975" y="1546376"/>
+            <a:ext cx="3946144" cy="4031873"/>
+          </a:xfrm>
+          <a:prstGeom prst="rect">
+            <a:avLst/>
+          </a:prstGeom>
+          <a:noFill/>
+        </p:spPr>
+        <p:txBody>
+          <a:bodyPr wrap="none" rtlCol="0">
+            <a:spAutoFit/>
+          </a:bodyPr>
+          <a:lstStyle/>
+          <a:p>
+            <a:pPr algn="ctr"/>
+            <a:r>
+              <a:rPr lang="en-US" altLang="zh-CN" sz="3200" dirty="0" smtClean="0">
+                <a:latin typeface="+mj-lt"/>
+              </a:rPr>
+              <a:t>Zoom </a:t>
+            </a:r>
+            <a:r>
+              <a:rPr lang="en-US" altLang="zh-CN" sz="3200" dirty="0">
+                <a:latin typeface="+mj-lt"/>
+              </a:rPr>
+              <a:t>Level: </a:t>
+            </a:r>
+            <a:r>
+              <a:rPr lang="en-US" altLang="zh-CN" sz="3200" dirty="0" smtClean="0">
+                <a:latin typeface="+mj-lt"/>
+              </a:rPr>
+              <a:t>3</a:t>
+            </a:r>
+            <a:endParaRPr lang="en-US" altLang="zh-CN" sz="3200" dirty="0">
+              <a:latin typeface="+mj-lt"/>
+            </a:endParaRPr>
+          </a:p>
+          <a:p>
+            <a:pPr algn="ctr"/>
+            <a:r>
+              <a:rPr lang="en-US" altLang="zh-CN" sz="3200" dirty="0" smtClean="0">
+                <a:latin typeface="+mj-lt"/>
+              </a:rPr>
+              <a:t>Window Size: </a:t>
+            </a:r>
+            <a:r>
+              <a:rPr lang="en-US" altLang="zh-CN" sz="3200" dirty="0" smtClean="0">
+                <a:latin typeface="+mj-lt"/>
+              </a:rPr>
+              <a:t>100*100</a:t>
+            </a:r>
+            <a:endParaRPr lang="en-US" altLang="zh-CN" sz="3200" dirty="0" smtClean="0">
+              <a:latin typeface="+mj-lt"/>
+            </a:endParaRPr>
+          </a:p>
+          <a:p>
+            <a:pPr algn="ctr"/>
+            <a:r>
+              <a:rPr lang="en-US" altLang="zh-CN" sz="3200" dirty="0" smtClean="0">
+                <a:latin typeface="+mj-lt"/>
+              </a:rPr>
+              <a:t>Center Size: </a:t>
+            </a:r>
+            <a:r>
+              <a:rPr lang="en-US" altLang="zh-CN" sz="3200" dirty="0" smtClean="0">
+                <a:latin typeface="+mj-lt"/>
+              </a:rPr>
+              <a:t>80</a:t>
+            </a:r>
+            <a:r>
+              <a:rPr lang="en-US" altLang="zh-CN" sz="3200" dirty="0" smtClean="0">
+                <a:latin typeface="+mj-lt"/>
+              </a:rPr>
+              <a:t>*80</a:t>
+            </a:r>
+            <a:endParaRPr lang="en-US" altLang="zh-CN" sz="3200" dirty="0" smtClean="0">
+              <a:latin typeface="+mj-lt"/>
+            </a:endParaRPr>
+          </a:p>
+          <a:p>
+            <a:pPr algn="ctr"/>
+            <a:r>
+              <a:rPr lang="en-US" altLang="zh-CN" sz="3200" dirty="0" smtClean="0">
+                <a:latin typeface="+mj-lt"/>
+              </a:rPr>
+              <a:t>Stride: </a:t>
+            </a:r>
+            <a:r>
+              <a:rPr lang="en-US" altLang="zh-CN" sz="3200" dirty="0" smtClean="0">
+                <a:latin typeface="+mj-lt"/>
+              </a:rPr>
+              <a:t>80</a:t>
+            </a:r>
+            <a:endParaRPr lang="en-US" altLang="zh-CN" sz="3200" dirty="0" smtClean="0">
+              <a:latin typeface="+mj-lt"/>
+            </a:endParaRPr>
+          </a:p>
+          <a:p>
+            <a:pPr algn="ctr"/>
+            <a:endParaRPr lang="en-US" altLang="zh-CN" sz="3200" b="1" dirty="0" smtClean="0">
+              <a:latin typeface="+mj-lt"/>
+            </a:endParaRPr>
+          </a:p>
+          <a:p>
+            <a:pPr algn="ctr"/>
+            <a:r>
+              <a:rPr lang="en-US" altLang="zh-CN" sz="3200" dirty="0" smtClean="0">
+                <a:latin typeface="+mj-lt"/>
+              </a:rPr>
+              <a:t>Epochs: 5 </a:t>
+            </a:r>
+          </a:p>
+          <a:p>
+            <a:pPr algn="ctr"/>
+            <a:r>
+              <a:rPr lang="en-US" altLang="zh-CN" sz="3200" dirty="0" smtClean="0">
+                <a:latin typeface="+mj-lt"/>
+              </a:rPr>
+              <a:t>Batch </a:t>
+            </a:r>
+            <a:r>
+              <a:rPr lang="en-US" altLang="zh-CN" sz="3200" dirty="0" smtClean="0">
+                <a:latin typeface="+mj-lt"/>
+              </a:rPr>
+              <a:t>Size:32</a:t>
+            </a:r>
+            <a:endParaRPr lang="en-US" altLang="zh-CN" sz="3200" dirty="0" smtClean="0">
+              <a:latin typeface="+mj-lt"/>
+            </a:endParaRPr>
+          </a:p>
+          <a:p>
+            <a:pPr algn="ctr"/>
+            <a:r>
+              <a:rPr lang="en-US" altLang="zh-CN" sz="3200" dirty="0" smtClean="0">
+                <a:latin typeface="+mj-lt"/>
+              </a:rPr>
+              <a:t>Optimizer: </a:t>
+            </a:r>
+            <a:r>
+              <a:rPr lang="en-US" altLang="zh-CN" sz="3200" dirty="0" err="1" smtClean="0">
+                <a:latin typeface="+mj-lt"/>
+              </a:rPr>
+              <a:t>RMSProp</a:t>
+            </a:r>
+            <a:endParaRPr lang="zh-CN" altLang="en-US" sz="3200" dirty="0">
+              <a:latin typeface="+mj-lt"/>
+            </a:endParaRPr>
+          </a:p>
+        </p:txBody>
+      </p:sp>
+      <p:pic>
+        <p:nvPicPr>
+          <p:cNvPr id="2" name="图片 1"/>
+          <p:cNvPicPr>
+            <a:picLocks noChangeAspect="1"/>
+          </p:cNvPicPr>
+          <p:nvPr/>
+        </p:nvPicPr>
+        <p:blipFill rotWithShape="1">
+          <a:blip r:embed="rId2">
+            <a:extLst>
+              <a:ext uri="{28A0092B-C50C-407E-A947-70E740481C1C}">
+                <a14:useLocalDpi xmlns:a14="http://schemas.microsoft.com/office/drawing/2010/main" val="0"/>
+              </a:ext>
+            </a:extLst>
+          </a:blip>
+          <a:srcRect l="8158" t="3871" r="1971" b="8101"/>
+          <a:stretch/>
+        </p:blipFill>
+        <p:spPr>
+          <a:xfrm>
+            <a:off x="6646606" y="1162101"/>
+            <a:ext cx="5027637" cy="4753983"/>
+          </a:xfrm>
+          <a:prstGeom prst="rect">
+            <a:avLst/>
+          </a:prstGeom>
+        </p:spPr>
+      </p:pic>
+      <p:pic>
+        <p:nvPicPr>
+          <p:cNvPr id="6" name="图片 5"/>
+          <p:cNvPicPr>
+            <a:picLocks noChangeAspect="1"/>
+          </p:cNvPicPr>
+          <p:nvPr/>
+        </p:nvPicPr>
+        <p:blipFill rotWithShape="1">
+          <a:blip r:embed="rId3">
+            <a:extLst>
+              <a:ext uri="{28A0092B-C50C-407E-A947-70E740481C1C}">
+                <a14:useLocalDpi xmlns:a14="http://schemas.microsoft.com/office/drawing/2010/main" val="0"/>
+              </a:ext>
+            </a:extLst>
+          </a:blip>
+          <a:srcRect l="30386" t="13289" r="27956" b="13029"/>
+          <a:stretch/>
+        </p:blipFill>
+        <p:spPr>
+          <a:xfrm>
+            <a:off x="803517" y="1208540"/>
+            <a:ext cx="5566249" cy="4707544"/>
+          </a:xfrm>
+          <a:prstGeom prst="rect">
+            <a:avLst/>
+          </a:prstGeom>
+        </p:spPr>
+      </p:pic>
+    </p:spTree>
+    <p:extLst>
+      <p:ext uri="{BB962C8B-B14F-4D97-AF65-F5344CB8AC3E}">
+        <p14:creationId xmlns:p14="http://schemas.microsoft.com/office/powerpoint/2010/main" val="3228000422"/>
+      </p:ext>
+    </p:extLst>
+  </p:cSld>
+  <p:clrMapOvr>
+    <a:masterClrMapping/>
+  </p:clrMapOvr>
+  <p:timing>
+    <p:tnLst>
+      <p:par>
+        <p:cTn id="1" dur="indefinite" restart="never" nodeType="tmRoot">
+          <p:childTnLst>
+            <p:seq concurrent="1" nextAc="seek">
+              <p:cTn id="2" dur="indefinite" nodeType="mainSeq">
+                <p:childTnLst>
+                  <p:par>
+                    <p:cTn id="3" fill="hold">
+                      <p:stCondLst>
+                        <p:cond delay="indefinite"/>
+                        <p:cond evt="onBegin" delay="0">
+                          <p:tn val="2"/>
+                        </p:cond>
+                      </p:stCondLst>
+                      <p:childTnLst>
+                        <p:par>
+                          <p:cTn id="4" fill="hold">
+                            <p:stCondLst>
+                              <p:cond delay="0"/>
+                            </p:stCondLst>
+                            <p:childTnLst>
+                              <p:par>
+                                <p:cTn id="5" presetID="1" presetClass="entr" presetSubtype="0" fill="hold" grpId="0" nodeType="withEffect">
+                                  <p:stCondLst>
+                                    <p:cond delay="0"/>
+                                  </p:stCondLst>
+                                  <p:childTnLst>
+                                    <p:set>
+                                      <p:cBhvr>
+                                        <p:cTn id="6" dur="1" fill="hold">
+                                          <p:stCondLst>
+                                            <p:cond delay="0"/>
+                                          </p:stCondLst>
+                                        </p:cTn>
+                                        <p:tgtEl>
+                                          <p:spTgt spid="15"/>
+                                        </p:tgtEl>
+                                        <p:attrNameLst>
+                                          <p:attrName>style.visibility</p:attrName>
+                                        </p:attrNameLst>
+                                      </p:cBhvr>
+                                      <p:to>
+                                        <p:strVal val="visible"/>
+                                      </p:to>
+                                    </p:set>
+                                  </p:childTnLst>
+                                </p:cTn>
+                              </p:par>
+                              <p:par>
+                                <p:cTn id="7" presetID="1" presetClass="entr" presetSubtype="0" fill="hold" grpId="1" nodeType="withEffect">
+                                  <p:stCondLst>
+                                    <p:cond delay="0"/>
+                                  </p:stCondLst>
+                                  <p:childTnLst>
+                                    <p:set>
+                                      <p:cBhvr>
+                                        <p:cTn id="8" dur="1" fill="hold">
+                                          <p:stCondLst>
+                                            <p:cond delay="0"/>
+                                          </p:stCondLst>
+                                        </p:cTn>
+                                        <p:tgtEl>
+                                          <p:spTgt spid="15"/>
+                                        </p:tgtEl>
+                                        <p:attrNameLst>
+                                          <p:attrName>style.visibility</p:attrName>
+                                        </p:attrNameLst>
+                                      </p:cBhvr>
+                                      <p:to>
+                                        <p:strVal val="visible"/>
+                                      </p:to>
+                                    </p:set>
+                                  </p:childTnLst>
+                                </p:cTn>
+                              </p:par>
+                            </p:childTnLst>
+                          </p:cTn>
+                        </p:par>
+                      </p:childTnLst>
+                    </p:cTn>
+                  </p:par>
+                  <p:par>
+                    <p:cTn id="9" fill="hold">
+                      <p:stCondLst>
+                        <p:cond delay="indefinite"/>
+                      </p:stCondLst>
+                      <p:childTnLst>
+                        <p:par>
+                          <p:cTn id="10" fill="hold">
+                            <p:stCondLst>
+                              <p:cond delay="0"/>
+                            </p:stCondLst>
+                            <p:childTnLst>
+                              <p:par>
+                                <p:cTn id="11" presetID="1" presetClass="exit" presetSubtype="0" fill="hold" grpId="0" nodeType="clickEffect">
+                                  <p:stCondLst>
+                                    <p:cond delay="0"/>
+                                  </p:stCondLst>
+                                  <p:childTnLst>
+                                    <p:set>
+                                      <p:cBhvr>
+                                        <p:cTn id="12" dur="1" fill="hold">
+                                          <p:stCondLst>
+                                            <p:cond delay="0"/>
+                                          </p:stCondLst>
+                                        </p:cTn>
+                                        <p:tgtEl>
+                                          <p:spTgt spid="14"/>
+                                        </p:tgtEl>
+                                        <p:attrNameLst>
+                                          <p:attrName>style.visibility</p:attrName>
+                                        </p:attrNameLst>
+                                      </p:cBhvr>
+                                      <p:to>
+                                        <p:strVal val="hidden"/>
+                                      </p:to>
+                                    </p:set>
+                                  </p:childTnLst>
+                                </p:cTn>
+                              </p:par>
+                              <p:par>
+                                <p:cTn id="13" presetID="1" presetClass="entr" presetSubtype="0" fill="hold" nodeType="withEffect">
+                                  <p:stCondLst>
+                                    <p:cond delay="0"/>
+                                  </p:stCondLst>
+                                  <p:childTnLst>
+                                    <p:set>
+                                      <p:cBhvr>
+                                        <p:cTn id="14" dur="1" fill="hold">
+                                          <p:stCondLst>
+                                            <p:cond delay="0"/>
+                                          </p:stCondLst>
+                                        </p:cTn>
+                                        <p:tgtEl>
+                                          <p:spTgt spid="6"/>
+                                        </p:tgtEl>
+                                        <p:attrNameLst>
+                                          <p:attrName>style.visibility</p:attrName>
+                                        </p:attrNameLst>
+                                      </p:cBhvr>
+                                      <p:to>
+                                        <p:strVal val="visible"/>
+                                      </p:to>
+                                    </p:set>
+                                  </p:childTnLst>
+                                </p:cTn>
+                              </p:par>
+                              <p:par>
+                                <p:cTn id="15" presetID="1" presetClass="entr" presetSubtype="0" fill="hold" nodeType="withEffect">
+                                  <p:stCondLst>
+                                    <p:cond delay="0"/>
+                                  </p:stCondLst>
+                                  <p:childTnLst>
+                                    <p:set>
+                                      <p:cBhvr>
+                                        <p:cTn id="16" dur="1" fill="hold">
+                                          <p:stCondLst>
+                                            <p:cond delay="0"/>
+                                          </p:stCondLst>
+                                        </p:cTn>
+                                        <p:tgtEl>
+                                          <p:spTgt spid="2"/>
+                                        </p:tgtEl>
+                                        <p:attrNameLst>
+                                          <p:attrName>style.visibility</p:attrName>
+                                        </p:attrNameLst>
+                                      </p:cBhvr>
+                                      <p:to>
+                                        <p:strVal val="visible"/>
+                                      </p:to>
+                                    </p:set>
+                                  </p:childTnLst>
+                                </p:cTn>
+                              </p:par>
+                            </p:childTnLst>
+                          </p:cTn>
+                        </p:par>
+                      </p:childTnLst>
+                    </p:cTn>
+                  </p:par>
+                </p:childTnLst>
+              </p:cTn>
+              <p:prevCondLst>
+                <p:cond evt="onPrev" delay="0">
+                  <p:tgtEl>
+                    <p:sldTgt/>
+                  </p:tgtEl>
+                </p:cond>
+              </p:prevCondLst>
+              <p:nextCondLst>
+                <p:cond evt="onNext" delay="0">
+                  <p:tgtEl>
+                    <p:sldTgt/>
+                  </p:tgtEl>
+                </p:cond>
+              </p:nextCondLst>
+            </p:seq>
+          </p:childTnLst>
+        </p:cTn>
+      </p:par>
+    </p:tnLst>
+    <p:bldLst>
+      <p:bldP spid="14" grpId="0"/>
+      <p:bldP spid="15" grpId="0"/>
+      <p:bldP spid="15" grpId="1"/>
+    </p:bldLst>
+  </p:timing>
+</p:sld>
+</file>
+
 <file path=ppt/slides/slide2.xml><?xml version="1.0" encoding="utf-8"?>
 <p:sld xmlns:a="http://schemas.openxmlformats.org/drawingml/2006/main" xmlns:r="http://schemas.openxmlformats.org/officeDocument/2006/relationships" xmlns:p="http://schemas.openxmlformats.org/presentationml/2006/main">
   <p:cSld>
@@ -20588,7 +20746,7 @@
         <p:spPr>
           <a:xfrm>
             <a:off x="628650" y="1968719"/>
-            <a:ext cx="11386820" cy="3170099"/>
+            <a:ext cx="11386820" cy="2554545"/>
           </a:xfrm>
           <a:prstGeom prst="rect">
             <a:avLst/>
@@ -20606,7 +20764,21 @@
                 <a:latin typeface="+mj-lt"/>
                 <a:ea typeface="Cambria" panose="02040503050406030204" pitchFamily="18" charset="0"/>
               </a:rPr>
-              <a:t>In our case, multi-scale model and multi-inputs model performs best. </a:t>
+              <a:t>In our case, multi-scale model </a:t>
+            </a:r>
+            <a:r>
+              <a:rPr lang="en-US" altLang="zh-CN" sz="4000" dirty="0" smtClean="0">
+                <a:latin typeface="+mj-lt"/>
+                <a:ea typeface="Cambria" panose="02040503050406030204" pitchFamily="18" charset="0"/>
+              </a:rPr>
+              <a:t>seems to perform </a:t>
+            </a:r>
+            <a:r>
+              <a:rPr lang="en-US" altLang="zh-CN" sz="4000" dirty="0" smtClean="0">
+                <a:latin typeface="+mj-lt"/>
+                <a:ea typeface="Cambria" panose="02040503050406030204" pitchFamily="18" charset="0"/>
+              </a:rPr>
+              <a:t>best. </a:t>
             </a:r>
           </a:p>
           <a:p>
@@ -20987,14 +21159,14 @@
           <p:nvPr>
             <p:extLst>
               <p:ext uri="{D42A27DB-BD31-4B8C-83A1-F6EECF244321}">
-                <p14:modId xmlns:p14="http://schemas.microsoft.com/office/powerpoint/2010/main" val="3742709593"/>
+                <p14:modId xmlns:p14="http://schemas.microsoft.com/office/powerpoint/2010/main" val="4080701142"/>
               </p:ext>
             </p:extLst>
           </p:nvPr>
         </p:nvGraphicFramePr>
         <p:xfrm>
           <a:off x="1327353" y="1889702"/>
-          <a:ext cx="9596288" cy="2819949"/>
+          <a:ext cx="9596288" cy="1879966"/>
         </p:xfrm>
         <a:graphic>
           <a:graphicData uri="http://schemas.openxmlformats.org/drawingml/2006/table">
@@ -21084,56 +21256,6 @@
                       <a:srgbClr val="EC6360"/>
                     </a:solidFill>
                   </a:tcPr>
-                </a:tc>
-              </a:tr>
-              <a:tr h="939983">
-                <a:tc>
-                  <a:txBody>
-                    <a:bodyPr/>
-                    <a:lstStyle/>
-                    <a:p>
-                      <a:pPr algn="ctr"/>
-                      <a:r>
-                        <a:rPr lang="en-US" altLang="zh-CN" sz="2400" dirty="0" smtClean="0"/>
-                        <a:t>Multi-Inputs</a:t>
-                      </a:r>
-                      <a:endParaRPr lang="zh-CN" altLang="en-US" sz="2400" dirty="0"/>
-                    </a:p>
-                  </a:txBody>
-                  <a:tcPr anchor="ctr"/>
-                </a:tc>
-                <a:tc>
-                  <a:txBody>
-                    <a:bodyPr/>
-                    <a:lstStyle/>
-                    <a:p>
-                      <a:pPr algn="ctr"/>
-                      <a:endParaRPr lang="zh-CN" altLang="en-US" sz="2400" dirty="0"/>
-                    </a:p>
-                  </a:txBody>
-                  <a:tcPr anchor="ctr"/>
-                </a:tc>
-                <a:tc>
-                  <a:txBody>
-                    <a:bodyPr/>
-                    <a:lstStyle/>
-                    <a:p>
-                      <a:pPr algn="ctr"/>
-                      <a:endParaRPr lang="zh-CN" altLang="en-US" sz="2400" dirty="0"/>
-                    </a:p>
-                  </a:txBody>
-                  <a:tcPr anchor="ctr"/>
-                </a:tc>
-                <a:tc>
-                  <a:txBody>
-                    <a:bodyPr/>
-                    <a:lstStyle/>
-                    <a:p>
-                      <a:pPr algn="ctr"/>
-                      <a:endParaRPr lang="zh-CN" altLang="en-US" sz="2400" dirty="0"/>
-                    </a:p>
-                  </a:txBody>
-                  <a:tcPr anchor="ctr"/>
                 </a:tc>
               </a:tr>
               <a:tr h="939983">
@@ -21258,7 +21380,7 @@
         </p:nvSpPr>
         <p:spPr>
           <a:xfrm>
-            <a:off x="4180148" y="4902211"/>
+            <a:off x="3846773" y="4016386"/>
             <a:ext cx="4210127" cy="400110"/>
           </a:xfrm>
           <a:prstGeom prst="rect">
